--- a/Módulo 01 - HTML e CSS/Aula 05 - Introdução a Seletores no CSS/Introdução aos Seletores CSS.pptx
+++ b/Módulo 01 - HTML e CSS/Aula 05 - Introdução a Seletores no CSS/Introdução aos Seletores CSS.pptx
@@ -5,10 +5,10 @@
     <p:sldMasterId id="2147483677" r:id="rId1"/>
   </p:sldMasterIdLst>
   <p:notesMasterIdLst>
-    <p:notesMasterId r:id="rId9"/>
+    <p:notesMasterId r:id="rId11"/>
   </p:notesMasterIdLst>
   <p:handoutMasterIdLst>
-    <p:handoutMasterId r:id="rId10"/>
+    <p:handoutMasterId r:id="rId12"/>
   </p:handoutMasterIdLst>
   <p:sldIdLst>
     <p:sldId id="256" r:id="rId2"/>
@@ -18,6 +18,8 @@
     <p:sldId id="260" r:id="rId6"/>
     <p:sldId id="261" r:id="rId7"/>
     <p:sldId id="262" r:id="rId8"/>
+    <p:sldId id="263" r:id="rId9"/>
+    <p:sldId id="264" r:id="rId10"/>
   </p:sldIdLst>
   <p:sldSz cx="12192000" cy="6858000"/>
   <p:notesSz cx="6858000" cy="9144000"/>
@@ -5835,7 +5837,7 @@
             <a:pPr marL="1028700" lvl="1" indent="-342900"/>
             <a:r>
               <a:rPr lang="pt-BR" dirty="0"/>
-              <a:t>Crie um arquivo CSS (interno ou externo)</a:t>
+              <a:t>Crie um arquivo CSS (interno ou externo) e adicione estilos para os elementos. Você precisa aplicar as seguintes estilizações:</a:t>
             </a:r>
           </a:p>
           <a:p>
@@ -5852,6 +5854,326 @@
     <p:extLst>
       <p:ext uri="{BB962C8B-B14F-4D97-AF65-F5344CB8AC3E}">
         <p14:creationId xmlns:p14="http://schemas.microsoft.com/office/powerpoint/2010/main" val="246333889"/>
+      </p:ext>
+    </p:extLst>
+  </p:cSld>
+  <p:clrMapOvr>
+    <a:masterClrMapping/>
+  </p:clrMapOvr>
+</p:sld>
+</file>
+
+<file path=ppt/slides/slide8.xml><?xml version="1.0" encoding="utf-8"?>
+<p:sld xmlns:a="http://schemas.openxmlformats.org/drawingml/2006/main" xmlns:r="http://schemas.openxmlformats.org/officeDocument/2006/relationships" xmlns:p="http://schemas.openxmlformats.org/presentationml/2006/main">
+  <p:cSld>
+    <p:spTree>
+      <p:nvGrpSpPr>
+        <p:cNvPr id="1" name=""/>
+        <p:cNvGrpSpPr/>
+        <p:nvPr/>
+      </p:nvGrpSpPr>
+      <p:grpSpPr>
+        <a:xfrm>
+          <a:off x="0" y="0"/>
+          <a:ext cx="0" cy="0"/>
+          <a:chOff x="0" y="0"/>
+          <a:chExt cx="0" cy="0"/>
+        </a:xfrm>
+      </p:grpSpPr>
+      <p:sp>
+        <p:nvSpPr>
+          <p:cNvPr id="2" name="Título 1">
+            <a:extLst>
+              <a:ext uri="{FF2B5EF4-FFF2-40B4-BE49-F238E27FC236}">
+                <a16:creationId xmlns:a16="http://schemas.microsoft.com/office/drawing/2014/main" id="{CFE715C6-63FC-4685-B7AD-4B0278E613B2}"/>
+              </a:ext>
+            </a:extLst>
+          </p:cNvPr>
+          <p:cNvSpPr>
+            <a:spLocks noGrp="1"/>
+          </p:cNvSpPr>
+          <p:nvPr>
+            <p:ph type="title"/>
+          </p:nvPr>
+        </p:nvSpPr>
+        <p:spPr>
+          <a:xfrm>
+            <a:off x="749185" y="854420"/>
+            <a:ext cx="9409981" cy="448573"/>
+          </a:xfrm>
+        </p:spPr>
+        <p:txBody>
+          <a:bodyPr/>
+          <a:lstStyle/>
+          <a:p>
+            <a:r>
+              <a:rPr lang="pt-BR" dirty="0"/>
+              <a:t>Desafio: Estilização usando seletores ID e Classe</a:t>
+            </a:r>
+          </a:p>
+        </p:txBody>
+      </p:sp>
+      <p:sp>
+        <p:nvSpPr>
+          <p:cNvPr id="3" name="Espaço Reservado para Conteúdo 2">
+            <a:extLst>
+              <a:ext uri="{FF2B5EF4-FFF2-40B4-BE49-F238E27FC236}">
+                <a16:creationId xmlns:a16="http://schemas.microsoft.com/office/drawing/2014/main" id="{C9EBF675-6858-4537-B2ED-F82A81B06AD2}"/>
+              </a:ext>
+            </a:extLst>
+          </p:cNvPr>
+          <p:cNvSpPr>
+            <a:spLocks noGrp="1"/>
+          </p:cNvSpPr>
+          <p:nvPr>
+            <p:ph idx="1"/>
+          </p:nvPr>
+        </p:nvSpPr>
+        <p:spPr/>
+        <p:txBody>
+          <a:bodyPr/>
+          <a:lstStyle/>
+          <a:p>
+            <a:r>
+              <a:rPr lang="pt-BR" dirty="0"/>
+              <a:t>Para os &lt;h1&gt;, use o id e atribua os seguintes estilos:</a:t>
+            </a:r>
+          </a:p>
+          <a:p>
+            <a:pPr marL="1028700" lvl="1" indent="-342900"/>
+            <a:r>
+              <a:rPr lang="pt-BR" dirty="0"/>
+              <a:t>Coloque um fundo colorido para cada &lt;h1&gt;.</a:t>
+            </a:r>
+          </a:p>
+          <a:p>
+            <a:pPr marL="1028700" lvl="1" indent="-342900"/>
+            <a:r>
+              <a:rPr lang="pt-BR" dirty="0"/>
+              <a:t>Adicione uma cor do texto para cada &lt;h1&gt;.</a:t>
+            </a:r>
+          </a:p>
+          <a:p>
+            <a:pPr marL="1028700" lvl="1" indent="-342900"/>
+            <a:r>
+              <a:rPr lang="pt-BR" dirty="0"/>
+              <a:t>O texto de todos os &lt;h1&gt; devem estar centralizado.</a:t>
+            </a:r>
+          </a:p>
+          <a:p>
+            <a:pPr marL="1028700" lvl="1" indent="-342900"/>
+            <a:r>
+              <a:rPr lang="pt-BR" dirty="0"/>
+              <a:t>O texto precisa ser negrito para aumentar a ênfase, com </a:t>
+            </a:r>
+            <a:r>
+              <a:rPr lang="pt-BR" dirty="0" err="1"/>
+              <a:t>font-weight</a:t>
+            </a:r>
+            <a:r>
+              <a:rPr lang="pt-BR" dirty="0"/>
+              <a:t>: </a:t>
+            </a:r>
+            <a:r>
+              <a:rPr lang="pt-BR" dirty="0" err="1"/>
+              <a:t>bold</a:t>
+            </a:r>
+            <a:r>
+              <a:rPr lang="pt-BR" dirty="0"/>
+              <a:t>.</a:t>
+            </a:r>
+          </a:p>
+          <a:p>
+            <a:pPr marL="342900" indent="-342900"/>
+            <a:r>
+              <a:rPr lang="pt-BR" dirty="0"/>
+              <a:t>Para os &lt;h2&gt;, use o </a:t>
+            </a:r>
+            <a:r>
+              <a:rPr lang="pt-BR" dirty="0" err="1"/>
+              <a:t>class</a:t>
+            </a:r>
+            <a:r>
+              <a:rPr lang="pt-BR" dirty="0"/>
+              <a:t> e atribua os seguintes estilos:</a:t>
+            </a:r>
+          </a:p>
+          <a:p>
+            <a:pPr marL="1028700" lvl="1" indent="-342900"/>
+            <a:r>
+              <a:rPr lang="pt-BR" dirty="0"/>
+              <a:t>O tamanho da fonte deve ser aumentado um pouco para garantir que eles se destaquem mais.</a:t>
+            </a:r>
+          </a:p>
+          <a:p>
+            <a:pPr marL="1028700" lvl="1" indent="-342900"/>
+            <a:r>
+              <a:rPr lang="pt-BR" dirty="0"/>
+              <a:t>O texto precisa ser negrito para aumentar </a:t>
+            </a:r>
+            <a:r>
+              <a:rPr lang="pt-BR"/>
+              <a:t>a ênfase.</a:t>
+            </a:r>
+            <a:endParaRPr lang="pt-BR" dirty="0"/>
+          </a:p>
+          <a:p>
+            <a:pPr marL="1028700" lvl="1" indent="-342900"/>
+            <a:r>
+              <a:rPr lang="pt-BR" dirty="0"/>
+              <a:t>A cor do texto deve ser um tom escuro e agradável.</a:t>
+            </a:r>
+          </a:p>
+        </p:txBody>
+      </p:sp>
+    </p:spTree>
+    <p:extLst>
+      <p:ext uri="{BB962C8B-B14F-4D97-AF65-F5344CB8AC3E}">
+        <p14:creationId xmlns:p14="http://schemas.microsoft.com/office/powerpoint/2010/main" val="1885391526"/>
+      </p:ext>
+    </p:extLst>
+  </p:cSld>
+  <p:clrMapOvr>
+    <a:masterClrMapping/>
+  </p:clrMapOvr>
+</p:sld>
+</file>
+
+<file path=ppt/slides/slide9.xml><?xml version="1.0" encoding="utf-8"?>
+<p:sld xmlns:a="http://schemas.openxmlformats.org/drawingml/2006/main" xmlns:r="http://schemas.openxmlformats.org/officeDocument/2006/relationships" xmlns:p="http://schemas.openxmlformats.org/presentationml/2006/main">
+  <p:cSld>
+    <p:spTree>
+      <p:nvGrpSpPr>
+        <p:cNvPr id="1" name=""/>
+        <p:cNvGrpSpPr/>
+        <p:nvPr/>
+      </p:nvGrpSpPr>
+      <p:grpSpPr>
+        <a:xfrm>
+          <a:off x="0" y="0"/>
+          <a:ext cx="0" cy="0"/>
+          <a:chOff x="0" y="0"/>
+          <a:chExt cx="0" cy="0"/>
+        </a:xfrm>
+      </p:grpSpPr>
+      <p:sp>
+        <p:nvSpPr>
+          <p:cNvPr id="2" name="Título 1">
+            <a:extLst>
+              <a:ext uri="{FF2B5EF4-FFF2-40B4-BE49-F238E27FC236}">
+                <a16:creationId xmlns:a16="http://schemas.microsoft.com/office/drawing/2014/main" id="{CFE715C6-63FC-4685-B7AD-4B0278E613B2}"/>
+              </a:ext>
+            </a:extLst>
+          </p:cNvPr>
+          <p:cNvSpPr>
+            <a:spLocks noGrp="1"/>
+          </p:cNvSpPr>
+          <p:nvPr>
+            <p:ph type="title"/>
+          </p:nvPr>
+        </p:nvSpPr>
+        <p:spPr>
+          <a:xfrm>
+            <a:off x="749185" y="854420"/>
+            <a:ext cx="9409981" cy="448573"/>
+          </a:xfrm>
+        </p:spPr>
+        <p:txBody>
+          <a:bodyPr/>
+          <a:lstStyle/>
+          <a:p>
+            <a:r>
+              <a:rPr lang="pt-BR" dirty="0"/>
+              <a:t>Desafio: Estilização usando seletores ID e Classe</a:t>
+            </a:r>
+          </a:p>
+        </p:txBody>
+      </p:sp>
+      <p:sp>
+        <p:nvSpPr>
+          <p:cNvPr id="3" name="Espaço Reservado para Conteúdo 2">
+            <a:extLst>
+              <a:ext uri="{FF2B5EF4-FFF2-40B4-BE49-F238E27FC236}">
+                <a16:creationId xmlns:a16="http://schemas.microsoft.com/office/drawing/2014/main" id="{C9EBF675-6858-4537-B2ED-F82A81B06AD2}"/>
+              </a:ext>
+            </a:extLst>
+          </p:cNvPr>
+          <p:cNvSpPr>
+            <a:spLocks noGrp="1"/>
+          </p:cNvSpPr>
+          <p:nvPr>
+            <p:ph idx="1"/>
+          </p:nvPr>
+        </p:nvSpPr>
+        <p:spPr/>
+        <p:txBody>
+          <a:bodyPr/>
+          <a:lstStyle/>
+          <a:p>
+            <a:r>
+              <a:rPr lang="pt-BR" dirty="0"/>
+              <a:t>Para os &lt;p&gt;, use o </a:t>
+            </a:r>
+            <a:r>
+              <a:rPr lang="pt-BR" dirty="0" err="1"/>
+              <a:t>class</a:t>
+            </a:r>
+            <a:r>
+              <a:rPr lang="pt-BR" dirty="0"/>
+              <a:t> e atribua os seguintes estilos:</a:t>
+            </a:r>
+          </a:p>
+          <a:p>
+            <a:pPr marL="1028700" lvl="1" indent="-342900"/>
+            <a:r>
+              <a:rPr lang="pt-BR" dirty="0"/>
+              <a:t>O tamanho da fonte deve ser confortável para leitura, como </a:t>
+            </a:r>
+            <a:r>
+              <a:rPr lang="pt-BR" dirty="0" err="1"/>
+              <a:t>font-size</a:t>
+            </a:r>
+            <a:r>
+              <a:rPr lang="pt-BR" dirty="0"/>
+              <a:t>: 1.1em.</a:t>
+            </a:r>
+          </a:p>
+          <a:p>
+            <a:pPr marL="1028700" lvl="1" indent="-342900"/>
+            <a:r>
+              <a:rPr lang="pt-BR" dirty="0"/>
+              <a:t>O espaçamento entre as linhas de texto deve ser maior para melhorar a legibilidade (usando </a:t>
+            </a:r>
+            <a:r>
+              <a:rPr lang="pt-BR" dirty="0" err="1"/>
+              <a:t>line-height</a:t>
+            </a:r>
+            <a:r>
+              <a:rPr lang="pt-BR" dirty="0"/>
+              <a:t>: 1.6).</a:t>
+            </a:r>
+          </a:p>
+          <a:p>
+            <a:pPr marL="1028700" lvl="1" indent="-342900"/>
+            <a:r>
+              <a:rPr lang="pt-BR" dirty="0"/>
+              <a:t>A cor do texto deve ser suave para evitar que o parágrafo se sobressaia excessivamente, como color: </a:t>
+            </a:r>
+            <a:r>
+              <a:rPr lang="pt-BR" dirty="0" err="1"/>
+              <a:t>gray</a:t>
+            </a:r>
+            <a:r>
+              <a:rPr lang="pt-BR" dirty="0"/>
+              <a:t>.</a:t>
+            </a:r>
+          </a:p>
+        </p:txBody>
+      </p:sp>
+    </p:spTree>
+    <p:extLst>
+      <p:ext uri="{BB962C8B-B14F-4D97-AF65-F5344CB8AC3E}">
+        <p14:creationId xmlns:p14="http://schemas.microsoft.com/office/powerpoint/2010/main" val="427509180"/>
       </p:ext>
     </p:extLst>
   </p:cSld>

--- a/Módulo 01 - HTML e CSS/Aula 05 - Introdução a Seletores no CSS/Introdução aos Seletores CSS.pptx
+++ b/Módulo 01 - HTML e CSS/Aula 05 - Introdução a Seletores no CSS/Introdução aos Seletores CSS.pptx
@@ -5,10 +5,10 @@
     <p:sldMasterId id="2147483677" r:id="rId1"/>
   </p:sldMasterIdLst>
   <p:notesMasterIdLst>
-    <p:notesMasterId r:id="rId11"/>
+    <p:notesMasterId r:id="rId13"/>
   </p:notesMasterIdLst>
   <p:handoutMasterIdLst>
-    <p:handoutMasterId r:id="rId12"/>
+    <p:handoutMasterId r:id="rId14"/>
   </p:handoutMasterIdLst>
   <p:sldIdLst>
     <p:sldId id="256" r:id="rId2"/>
@@ -20,6 +20,8 @@
     <p:sldId id="262" r:id="rId8"/>
     <p:sldId id="263" r:id="rId9"/>
     <p:sldId id="264" r:id="rId10"/>
+    <p:sldId id="265" r:id="rId11"/>
+    <p:sldId id="266" r:id="rId12"/>
   </p:sldIdLst>
   <p:sldSz cx="12192000" cy="6858000"/>
   <p:notesSz cx="6858000" cy="9144000"/>
@@ -3950,6 +3952,252 @@
 </p:sld>
 </file>
 
+<file path=ppt/slides/slide10.xml><?xml version="1.0" encoding="utf-8"?>
+<p:sld xmlns:a="http://schemas.openxmlformats.org/drawingml/2006/main" xmlns:r="http://schemas.openxmlformats.org/officeDocument/2006/relationships" xmlns:p="http://schemas.openxmlformats.org/presentationml/2006/main">
+  <p:cSld>
+    <p:spTree>
+      <p:nvGrpSpPr>
+        <p:cNvPr id="1" name=""/>
+        <p:cNvGrpSpPr/>
+        <p:nvPr/>
+      </p:nvGrpSpPr>
+      <p:grpSpPr>
+        <a:xfrm>
+          <a:off x="0" y="0"/>
+          <a:ext cx="0" cy="0"/>
+          <a:chOff x="0" y="0"/>
+          <a:chExt cx="0" cy="0"/>
+        </a:xfrm>
+      </p:grpSpPr>
+      <p:sp>
+        <p:nvSpPr>
+          <p:cNvPr id="2" name="Título 1">
+            <a:extLst>
+              <a:ext uri="{FF2B5EF4-FFF2-40B4-BE49-F238E27FC236}">
+                <a16:creationId xmlns:a16="http://schemas.microsoft.com/office/drawing/2014/main" id="{9310B1C9-C267-48DB-B8AC-187FE4C95D82}"/>
+              </a:ext>
+            </a:extLst>
+          </p:cNvPr>
+          <p:cNvSpPr>
+            <a:spLocks noGrp="1"/>
+          </p:cNvSpPr>
+          <p:nvPr>
+            <p:ph type="title"/>
+          </p:nvPr>
+        </p:nvSpPr>
+        <p:spPr/>
+        <p:txBody>
+          <a:bodyPr/>
+          <a:lstStyle/>
+          <a:p>
+            <a:r>
+              <a:rPr lang="pt-BR" dirty="0"/>
+              <a:t>Desafio: Estilizando a Página HTML</a:t>
+            </a:r>
+            <a:br>
+              <a:rPr lang="pt-BR" dirty="0"/>
+            </a:br>
+            <a:endParaRPr lang="pt-BR" dirty="0"/>
+          </a:p>
+        </p:txBody>
+      </p:sp>
+      <p:sp>
+        <p:nvSpPr>
+          <p:cNvPr id="3" name="Espaço Reservado para Conteúdo 2">
+            <a:extLst>
+              <a:ext uri="{FF2B5EF4-FFF2-40B4-BE49-F238E27FC236}">
+                <a16:creationId xmlns:a16="http://schemas.microsoft.com/office/drawing/2014/main" id="{7C96A419-6758-4EEB-93D0-DFC00B444A83}"/>
+              </a:ext>
+            </a:extLst>
+          </p:cNvPr>
+          <p:cNvSpPr>
+            <a:spLocks noGrp="1"/>
+          </p:cNvSpPr>
+          <p:nvPr>
+            <p:ph idx="1"/>
+          </p:nvPr>
+        </p:nvSpPr>
+        <p:spPr>
+          <a:xfrm>
+            <a:off x="592347" y="1844675"/>
+            <a:ext cx="11007306" cy="4416788"/>
+          </a:xfrm>
+        </p:spPr>
+        <p:txBody>
+          <a:bodyPr/>
+          <a:lstStyle/>
+          <a:p>
+            <a:r>
+              <a:rPr lang="pt-BR" sz="1800" dirty="0"/>
+              <a:t>Neste desafio, você terá a oportunidade de aprimorar suas habilidades em CSS aplicando estilos a uma página HTML que já foi criada, mas sem nenhuma estilização. O objetivo é transformar esta página simples em um design mais atraente, seguindo boas práticas de usabilidade e acessibilidade.</a:t>
+            </a:r>
+          </a:p>
+          <a:p>
+            <a:pPr marL="1028700" lvl="1" indent="-342900" algn="just"/>
+            <a:r>
+              <a:rPr lang="pt-BR" dirty="0"/>
+              <a:t>Página fornecida: A estrutura da página HTML já está pronta. Ela contém uma lista de destinos turísticos e algumas informações sobre cada um deles. Porém, essa página não tem nenhuma formatação, ou seja, o layout é completamente simples e sem estilo.</a:t>
+            </a:r>
+          </a:p>
+          <a:p>
+            <a:pPr marL="1028700" lvl="1" indent="-342900" algn="just"/>
+            <a:r>
+              <a:rPr lang="pt-BR" dirty="0"/>
+              <a:t>Desafio: O seu trabalho será aplicar estilos usando CSS para melhorar a apresentação da página. A ideia não é criar a estrutura da página do zero, mas sim aplicar o estilo para torná-la visualmente mais agradável e organizada, utilizando os seletores id e class.</a:t>
+            </a:r>
+          </a:p>
+          <a:p>
+            <a:endParaRPr lang="pt-BR" dirty="0"/>
+          </a:p>
+        </p:txBody>
+      </p:sp>
+    </p:spTree>
+    <p:extLst>
+      <p:ext uri="{BB962C8B-B14F-4D97-AF65-F5344CB8AC3E}">
+        <p14:creationId xmlns:p14="http://schemas.microsoft.com/office/powerpoint/2010/main" val="50650628"/>
+      </p:ext>
+    </p:extLst>
+  </p:cSld>
+  <p:clrMapOvr>
+    <a:masterClrMapping/>
+  </p:clrMapOvr>
+</p:sld>
+</file>
+
+<file path=ppt/slides/slide11.xml><?xml version="1.0" encoding="utf-8"?>
+<p:sld xmlns:a="http://schemas.openxmlformats.org/drawingml/2006/main" xmlns:r="http://schemas.openxmlformats.org/officeDocument/2006/relationships" xmlns:p="http://schemas.openxmlformats.org/presentationml/2006/main">
+  <p:cSld>
+    <p:spTree>
+      <p:nvGrpSpPr>
+        <p:cNvPr id="1" name=""/>
+        <p:cNvGrpSpPr/>
+        <p:nvPr/>
+      </p:nvGrpSpPr>
+      <p:grpSpPr>
+        <a:xfrm>
+          <a:off x="0" y="0"/>
+          <a:ext cx="0" cy="0"/>
+          <a:chOff x="0" y="0"/>
+          <a:chExt cx="0" cy="0"/>
+        </a:xfrm>
+      </p:grpSpPr>
+      <p:sp>
+        <p:nvSpPr>
+          <p:cNvPr id="2" name="Título 1">
+            <a:extLst>
+              <a:ext uri="{FF2B5EF4-FFF2-40B4-BE49-F238E27FC236}">
+                <a16:creationId xmlns:a16="http://schemas.microsoft.com/office/drawing/2014/main" id="{E07C33F7-BEF7-4A7E-ADC6-BE1AF54480B9}"/>
+              </a:ext>
+            </a:extLst>
+          </p:cNvPr>
+          <p:cNvSpPr>
+            <a:spLocks noGrp="1"/>
+          </p:cNvSpPr>
+          <p:nvPr>
+            <p:ph type="title"/>
+          </p:nvPr>
+        </p:nvSpPr>
+        <p:spPr/>
+        <p:txBody>
+          <a:bodyPr/>
+          <a:lstStyle/>
+          <a:p>
+            <a:r>
+              <a:rPr lang="pt-BR"/>
+              <a:t>Desafio: Estilizando a Página HTML</a:t>
+            </a:r>
+            <a:br>
+              <a:rPr lang="pt-BR"/>
+            </a:br>
+            <a:endParaRPr lang="pt-BR"/>
+          </a:p>
+        </p:txBody>
+      </p:sp>
+      <p:sp>
+        <p:nvSpPr>
+          <p:cNvPr id="3" name="Espaço Reservado para Conteúdo 2">
+            <a:extLst>
+              <a:ext uri="{FF2B5EF4-FFF2-40B4-BE49-F238E27FC236}">
+                <a16:creationId xmlns:a16="http://schemas.microsoft.com/office/drawing/2014/main" id="{1E8E54DC-81A6-4989-AAE5-3CFA53B446F1}"/>
+              </a:ext>
+            </a:extLst>
+          </p:cNvPr>
+          <p:cNvSpPr>
+            <a:spLocks noGrp="1"/>
+          </p:cNvSpPr>
+          <p:nvPr>
+            <p:ph idx="1"/>
+          </p:nvPr>
+        </p:nvSpPr>
+        <p:spPr/>
+        <p:txBody>
+          <a:bodyPr/>
+          <a:lstStyle/>
+          <a:p>
+            <a:r>
+              <a:rPr lang="pt-BR" dirty="0"/>
+              <a:t>Você terá a seguinte página em HTML.</a:t>
+            </a:r>
+          </a:p>
+          <a:p>
+            <a:pPr marL="1028700" lvl="1" indent="-342900"/>
+            <a:r>
+              <a:rPr lang="pt-BR" dirty="0"/>
+              <a:t>Clique </a:t>
+            </a:r>
+            <a:r>
+              <a:rPr lang="pt-BR" dirty="0">
+                <a:hlinkClick r:id="rId2"/>
+              </a:rPr>
+              <a:t>aqui</a:t>
+            </a:r>
+            <a:r>
+              <a:rPr lang="pt-BR" dirty="0"/>
+              <a:t>, para acessar a página HTML</a:t>
+            </a:r>
+          </a:p>
+          <a:p>
+            <a:r>
+              <a:rPr lang="pt-BR" dirty="0"/>
+              <a:t>Você terá que transformar na seguinte pagina utilizando os seletores CSS.</a:t>
+            </a:r>
+          </a:p>
+          <a:p>
+            <a:pPr marL="1028700" lvl="1" indent="-342900"/>
+            <a:r>
+              <a:rPr lang="pt-BR" dirty="0"/>
+              <a:t>Clique </a:t>
+            </a:r>
+            <a:r>
+              <a:rPr lang="pt-BR" dirty="0">
+                <a:hlinkClick r:id="rId3"/>
+              </a:rPr>
+              <a:t>aqui</a:t>
+            </a:r>
+            <a:r>
+              <a:rPr lang="pt-BR" dirty="0"/>
+              <a:t>, para acessar a página HTML estilizada com os seletores CSS.</a:t>
+            </a:r>
+          </a:p>
+          <a:p>
+            <a:pPr marL="1028700" lvl="1" indent="-342900"/>
+            <a:endParaRPr lang="pt-BR" dirty="0"/>
+          </a:p>
+        </p:txBody>
+      </p:sp>
+    </p:spTree>
+    <p:extLst>
+      <p:ext uri="{BB962C8B-B14F-4D97-AF65-F5344CB8AC3E}">
+        <p14:creationId xmlns:p14="http://schemas.microsoft.com/office/powerpoint/2010/main" val="2314953972"/>
+      </p:ext>
+    </p:extLst>
+  </p:cSld>
+  <p:clrMapOvr>
+    <a:masterClrMapping/>
+  </p:clrMapOvr>
+</p:sld>
+</file>
+
 <file path=ppt/slides/slide2.xml><?xml version="1.0" encoding="utf-8"?>
 <p:sld xmlns:a="http://schemas.openxmlformats.org/drawingml/2006/main" xmlns:r="http://schemas.openxmlformats.org/officeDocument/2006/relationships" xmlns:p="http://schemas.openxmlformats.org/presentationml/2006/main">
   <p:cSld>
@@ -6009,13 +6257,8 @@
             <a:pPr marL="1028700" lvl="1" indent="-342900"/>
             <a:r>
               <a:rPr lang="pt-BR" dirty="0"/>
-              <a:t>O texto precisa ser negrito para aumentar </a:t>
-            </a:r>
-            <a:r>
-              <a:rPr lang="pt-BR"/>
-              <a:t>a ênfase.</a:t>
-            </a:r>
-            <a:endParaRPr lang="pt-BR" dirty="0"/>
+              <a:t>O texto precisa ser negrito para aumentar a ênfase.</a:t>
+            </a:r>
           </a:p>
           <a:p>
             <a:pPr marL="1028700" lvl="1" indent="-342900"/>
@@ -6127,45 +6370,21 @@
             <a:pPr marL="1028700" lvl="1" indent="-342900"/>
             <a:r>
               <a:rPr lang="pt-BR" dirty="0"/>
-              <a:t>O tamanho da fonte deve ser confortável para leitura, como </a:t>
-            </a:r>
-            <a:r>
-              <a:rPr lang="pt-BR" dirty="0" err="1"/>
-              <a:t>font-size</a:t>
-            </a:r>
+              <a:t>O tamanho da fonte deve ser confortável para leitura.</a:t>
+            </a:r>
+          </a:p>
+          <a:p>
+            <a:pPr marL="1028700" lvl="1" indent="-342900"/>
             <a:r>
               <a:rPr lang="pt-BR" dirty="0"/>
-              <a:t>: 1.1em.</a:t>
+              <a:t>O espaçamento entre as linhas de texto deve ser maior para melhorar a legibilidade.</a:t>
             </a:r>
           </a:p>
           <a:p>
             <a:pPr marL="1028700" lvl="1" indent="-342900"/>
             <a:r>
               <a:rPr lang="pt-BR" dirty="0"/>
-              <a:t>O espaçamento entre as linhas de texto deve ser maior para melhorar a legibilidade (usando </a:t>
-            </a:r>
-            <a:r>
-              <a:rPr lang="pt-BR" dirty="0" err="1"/>
-              <a:t>line-height</a:t>
-            </a:r>
-            <a:r>
-              <a:rPr lang="pt-BR" dirty="0"/>
-              <a:t>: 1.6).</a:t>
-            </a:r>
-          </a:p>
-          <a:p>
-            <a:pPr marL="1028700" lvl="1" indent="-342900"/>
-            <a:r>
-              <a:rPr lang="pt-BR" dirty="0"/>
-              <a:t>A cor do texto deve ser suave para evitar que o parágrafo se sobressaia excessivamente, como color: </a:t>
-            </a:r>
-            <a:r>
-              <a:rPr lang="pt-BR" dirty="0" err="1"/>
-              <a:t>gray</a:t>
-            </a:r>
-            <a:r>
-              <a:rPr lang="pt-BR" dirty="0"/>
-              <a:t>.</a:t>
+              <a:t>A cor do texto deve ser suave para evitar que o parágrafo se sobressaia excessivamente.</a:t>
             </a:r>
           </a:p>
         </p:txBody>

--- a/Módulo 01 - HTML e CSS/Aula 05 - Introdução a Seletores no CSS/Introdução aos Seletores CSS.pptx
+++ b/Módulo 01 - HTML e CSS/Aula 05 - Introdução a Seletores no CSS/Introdução aos Seletores CSS.pptx
@@ -236,7 +236,7 @@
           <a:p>
             <a:fld id="{0F28648D-752F-4D9E-8EC2-61293C3E9BC7}" type="datetimeFigureOut">
               <a:rPr lang="pt-BR" smtClean="0"/>
-              <a:t>27/01/2025</a:t>
+              <a:t>04/02/2025</a:t>
             </a:fld>
             <a:endParaRPr lang="pt-BR"/>
           </a:p>
@@ -413,7 +413,7 @@
           <a:p>
             <a:fld id="{C67E822F-2664-47C4-8404-83B1D4D0E6EE}" type="datetimeFigureOut">
               <a:rPr lang="pt-BR" smtClean="0"/>
-              <a:t>27/01/2025</a:t>
+              <a:t>04/02/2025</a:t>
             </a:fld>
             <a:endParaRPr lang="pt-BR"/>
           </a:p>
@@ -1116,7 +1116,7 @@
           <a:p>
             <a:fld id="{CDD55C27-F8C6-4481-8569-CAC50CAE9F1F}" type="datetimeFigureOut">
               <a:rPr lang="pt-BR" smtClean="0"/>
-              <a:t>27/01/2025</a:t>
+              <a:t>04/02/2025</a:t>
             </a:fld>
             <a:endParaRPr lang="pt-BR"/>
           </a:p>
@@ -1606,7 +1606,7 @@
           <a:p>
             <a:fld id="{CDD55C27-F8C6-4481-8569-CAC50CAE9F1F}" type="datetimeFigureOut">
               <a:rPr lang="pt-BR" smtClean="0"/>
-              <a:t>27/01/2025</a:t>
+              <a:t>04/02/2025</a:t>
             </a:fld>
             <a:endParaRPr lang="pt-BR"/>
           </a:p>
@@ -1909,7 +1909,7 @@
           <a:p>
             <a:fld id="{CDD55C27-F8C6-4481-8569-CAC50CAE9F1F}" type="datetimeFigureOut">
               <a:rPr lang="pt-BR" smtClean="0"/>
-              <a:t>27/01/2025</a:t>
+              <a:t>04/02/2025</a:t>
             </a:fld>
             <a:endParaRPr lang="pt-BR"/>
           </a:p>
@@ -2360,7 +2360,7 @@
           <a:p>
             <a:fld id="{CDD55C27-F8C6-4481-8569-CAC50CAE9F1F}" type="datetimeFigureOut">
               <a:rPr lang="pt-BR" smtClean="0"/>
-              <a:t>27/01/2025</a:t>
+              <a:t>04/02/2025</a:t>
             </a:fld>
             <a:endParaRPr lang="pt-BR"/>
           </a:p>
@@ -2533,7 +2533,7 @@
           <a:p>
             <a:fld id="{CDD55C27-F8C6-4481-8569-CAC50CAE9F1F}" type="datetimeFigureOut">
               <a:rPr lang="pt-BR" smtClean="0"/>
-              <a:t>27/01/2025</a:t>
+              <a:t>04/02/2025</a:t>
             </a:fld>
             <a:endParaRPr lang="pt-BR"/>
           </a:p>
@@ -2670,7 +2670,7 @@
           <a:p>
             <a:fld id="{CDD55C27-F8C6-4481-8569-CAC50CAE9F1F}" type="datetimeFigureOut">
               <a:rPr lang="pt-BR" smtClean="0"/>
-              <a:t>27/01/2025</a:t>
+              <a:t>04/02/2025</a:t>
             </a:fld>
             <a:endParaRPr lang="pt-BR"/>
           </a:p>
@@ -3014,7 +3014,7 @@
           <a:p>
             <a:fld id="{CDD55C27-F8C6-4481-8569-CAC50CAE9F1F}" type="datetimeFigureOut">
               <a:rPr lang="pt-BR" smtClean="0"/>
-              <a:t>27/01/2025</a:t>
+              <a:t>04/02/2025</a:t>
             </a:fld>
             <a:endParaRPr lang="pt-BR"/>
           </a:p>
@@ -3335,7 +3335,7 @@
           <a:p>
             <a:fld id="{CDD55C27-F8C6-4481-8569-CAC50CAE9F1F}" type="datetimeFigureOut">
               <a:rPr lang="pt-BR" smtClean="0"/>
-              <a:t>27/01/2025</a:t>
+              <a:t>04/02/2025</a:t>
             </a:fld>
             <a:endParaRPr lang="pt-BR"/>
           </a:p>
